--- a/Slides/ECTTP_Les_7_Lists.pptx
+++ b/Slides/ECTTP_Les_7_Lists.pptx
@@ -217,7 +217,7 @@
           <a:p>
             <a:fld id="{982F5773-A4C2-49AD-B804-F6F9DAD548FC}" type="datetimeFigureOut">
               <a:rPr lang="nl-NL" smtClean="0"/>
-              <a:t>11-10-2016</a:t>
+              <a:t>12-10-2016</a:t>
             </a:fld>
             <a:endParaRPr lang="nl-NL"/>
           </a:p>
@@ -677,7 +677,7 @@
           <a:p>
             <a:fld id="{DE04339C-2201-45A8-9ECB-B18791DD5D3F}" type="datetimeFigureOut">
               <a:rPr lang="nl-NL" smtClean="0"/>
-              <a:t>11-10-2016</a:t>
+              <a:t>12-10-2016</a:t>
             </a:fld>
             <a:endParaRPr lang="nl-NL"/>
           </a:p>
@@ -842,7 +842,7 @@
           <a:p>
             <a:fld id="{DE04339C-2201-45A8-9ECB-B18791DD5D3F}" type="datetimeFigureOut">
               <a:rPr lang="nl-NL" smtClean="0"/>
-              <a:t>11-10-2016</a:t>
+              <a:t>12-10-2016</a:t>
             </a:fld>
             <a:endParaRPr lang="nl-NL"/>
           </a:p>
@@ -1017,7 +1017,7 @@
           <a:p>
             <a:fld id="{DE04339C-2201-45A8-9ECB-B18791DD5D3F}" type="datetimeFigureOut">
               <a:rPr lang="nl-NL" smtClean="0"/>
-              <a:t>11-10-2016</a:t>
+              <a:t>12-10-2016</a:t>
             </a:fld>
             <a:endParaRPr lang="nl-NL"/>
           </a:p>
@@ -1200,7 +1200,7 @@
           <a:p>
             <a:fld id="{DE04339C-2201-45A8-9ECB-B18791DD5D3F}" type="datetimeFigureOut">
               <a:rPr lang="nl-NL" smtClean="0"/>
-              <a:t>11-10-2016</a:t>
+              <a:t>12-10-2016</a:t>
             </a:fld>
             <a:endParaRPr lang="nl-NL"/>
           </a:p>
@@ -1462,7 +1462,7 @@
           <a:p>
             <a:fld id="{DE04339C-2201-45A8-9ECB-B18791DD5D3F}" type="datetimeFigureOut">
               <a:rPr lang="nl-NL" smtClean="0"/>
-              <a:t>11-10-2016</a:t>
+              <a:t>12-10-2016</a:t>
             </a:fld>
             <a:endParaRPr lang="nl-NL"/>
           </a:p>
@@ -1810,7 +1810,7 @@
           <a:p>
             <a:fld id="{DE04339C-2201-45A8-9ECB-B18791DD5D3F}" type="datetimeFigureOut">
               <a:rPr lang="nl-NL" smtClean="0"/>
-              <a:t>11-10-2016</a:t>
+              <a:t>12-10-2016</a:t>
             </a:fld>
             <a:endParaRPr lang="nl-NL"/>
           </a:p>
@@ -2118,7 +2118,7 @@
           <a:p>
             <a:fld id="{DE04339C-2201-45A8-9ECB-B18791DD5D3F}" type="datetimeFigureOut">
               <a:rPr lang="nl-NL" smtClean="0"/>
-              <a:t>11-10-2016</a:t>
+              <a:t>12-10-2016</a:t>
             </a:fld>
             <a:endParaRPr lang="nl-NL"/>
           </a:p>
@@ -2345,7 +2345,7 @@
           <a:p>
             <a:fld id="{DE04339C-2201-45A8-9ECB-B18791DD5D3F}" type="datetimeFigureOut">
               <a:rPr lang="nl-NL" smtClean="0"/>
-              <a:t>11-10-2016</a:t>
+              <a:t>12-10-2016</a:t>
             </a:fld>
             <a:endParaRPr lang="nl-NL"/>
           </a:p>
@@ -2435,7 +2435,7 @@
           <a:p>
             <a:fld id="{DE04339C-2201-45A8-9ECB-B18791DD5D3F}" type="datetimeFigureOut">
               <a:rPr lang="nl-NL" smtClean="0"/>
-              <a:t>11-10-2016</a:t>
+              <a:t>12-10-2016</a:t>
             </a:fld>
             <a:endParaRPr lang="nl-NL"/>
           </a:p>
@@ -2723,7 +2723,7 @@
           <a:p>
             <a:fld id="{DE04339C-2201-45A8-9ECB-B18791DD5D3F}" type="datetimeFigureOut">
               <a:rPr lang="nl-NL" smtClean="0"/>
-              <a:t>11-10-2016</a:t>
+              <a:t>12-10-2016</a:t>
             </a:fld>
             <a:endParaRPr lang="nl-NL"/>
           </a:p>
@@ -2992,7 +2992,7 @@
           <a:p>
             <a:fld id="{DE04339C-2201-45A8-9ECB-B18791DD5D3F}" type="datetimeFigureOut">
               <a:rPr lang="nl-NL" smtClean="0"/>
-              <a:t>11-10-2016</a:t>
+              <a:t>12-10-2016</a:t>
             </a:fld>
             <a:endParaRPr lang="nl-NL"/>
           </a:p>
@@ -3202,7 +3202,7 @@
           <a:p>
             <a:fld id="{DE04339C-2201-45A8-9ECB-B18791DD5D3F}" type="datetimeFigureOut">
               <a:rPr lang="nl-NL" smtClean="0"/>
-              <a:t>11-10-2016</a:t>
+              <a:t>12-10-2016</a:t>
             </a:fld>
             <a:endParaRPr lang="nl-NL"/>
           </a:p>
@@ -3742,11 +3742,7 @@
           <a:p>
             <a:r>
               <a:rPr lang="nl-NL" dirty="0" smtClean="0"/>
-              <a:t>ECTTP: </a:t>
-            </a:r>
-            <a:r>
-              <a:rPr lang="nl-NL" dirty="0" smtClean="0"/>
-              <a:t>Lists</a:t>
+              <a:t>ECTTP: Lists</a:t>
             </a:r>
             <a:endParaRPr lang="nl-NL" dirty="0"/>
           </a:p>
@@ -6387,8 +6383,16 @@
               <a:buNone/>
             </a:pPr>
             <a:r>
-              <a:rPr lang="en-US" dirty="0" smtClean="0"/>
-              <a:t>Some = [1, 9, 21, 10, 16]</a:t>
+              <a:rPr lang="en-US" dirty="0" err="1" smtClean="0"/>
+              <a:t>someList</a:t>
+            </a:r>
+            <a:r>
+              <a:rPr lang="en-US" dirty="0" smtClean="0"/>
+              <a:t> </a:t>
+            </a:r>
+            <a:r>
+              <a:rPr lang="en-US" dirty="0" smtClean="0"/>
+              <a:t>= [1, 9, 21, 10, 16]</a:t>
             </a:r>
           </a:p>
           <a:p>
@@ -6397,7 +6401,19 @@
             </a:pPr>
             <a:r>
               <a:rPr lang="en-US" dirty="0" smtClean="0"/>
-              <a:t>9 in some</a:t>
+              <a:t>9 in </a:t>
+            </a:r>
+            <a:r>
+              <a:rPr lang="en-US" dirty="0" err="1"/>
+              <a:t>someList</a:t>
+            </a:r>
+            <a:r>
+              <a:rPr lang="en-US" dirty="0"/>
+              <a:t> </a:t>
+            </a:r>
+            <a:r>
+              <a:rPr lang="en-US" dirty="0" smtClean="0"/>
+              <a:t/>
             </a:r>
             <a:br>
               <a:rPr lang="en-US" dirty="0" smtClean="0"/>
@@ -6413,8 +6429,17 @@
             </a:pPr>
             <a:r>
               <a:rPr lang="en-US" dirty="0" smtClean="0"/>
-              <a:t>21 not in some</a:t>
-            </a:r>
+              <a:t>21 not in </a:t>
+            </a:r>
+            <a:r>
+              <a:rPr lang="en-US" dirty="0" err="1"/>
+              <a:t>someList</a:t>
+            </a:r>
+            <a:r>
+              <a:rPr lang="en-US"/>
+              <a:t> </a:t>
+            </a:r>
+            <a:endParaRPr lang="en-US" dirty="0" smtClean="0"/>
           </a:p>
           <a:p>
             <a:pPr marL="0" indent="0">
@@ -6826,7 +6851,7 @@
             </a:pPr>
             <a:r>
               <a:rPr lang="en-US" dirty="0" err="1" smtClean="0"/>
-              <a:t>stuf.append</a:t>
+              <a:t>stuff.append</a:t>
             </a:r>
             <a:r>
               <a:rPr lang="en-US" dirty="0" smtClean="0"/>
@@ -6997,11 +7022,7 @@
           <a:p>
             <a:r>
               <a:rPr lang="en-US" dirty="0" smtClean="0"/>
-              <a:t>Week </a:t>
-            </a:r>
-            <a:r>
-              <a:rPr lang="en-US" dirty="0" smtClean="0"/>
-              <a:t>Seven:  (</a:t>
+              <a:t>Week Seven:  (</a:t>
             </a:r>
             <a:r>
               <a:rPr lang="en-US" dirty="0"/>
@@ -7056,18 +7077,12 @@
               <a:rPr lang="en-US" dirty="0"/>
               <a:t>and Objects</a:t>
             </a:r>
-            <a:endParaRPr lang="en-US" dirty="0"/>
-          </a:p>
-          <a:p>
-            <a:r>
-              <a:rPr lang="en-US" dirty="0" smtClean="0"/>
-              <a:t>Week Nine</a:t>
-            </a:r>
-            <a:r>
-              <a:rPr lang="en-US" dirty="0" smtClean="0"/>
-              <a:t>:</a:t>
-            </a:r>
-            <a:endParaRPr lang="en-US" dirty="0" smtClean="0"/>
+          </a:p>
+          <a:p>
+            <a:r>
+              <a:rPr lang="en-US" dirty="0" smtClean="0"/>
+              <a:t>Week Nine:</a:t>
+            </a:r>
           </a:p>
           <a:p>
             <a:r>
@@ -7831,6 +7846,13 @@
   <p:clrMapOvr>
     <a:masterClrMapping/>
   </p:clrMapOvr>
+  <p:timing>
+    <p:tnLst>
+      <p:par>
+        <p:cTn id="1" dur="indefinite" restart="never" nodeType="tmRoot"/>
+      </p:par>
+    </p:tnLst>
+  </p:timing>
 </p:sld>
 </file>
 
@@ -8138,13 +8160,8 @@
           <a:p>
             <a:r>
               <a:rPr lang="nl-NL" dirty="0" smtClean="0"/>
-              <a:t>Let op: Wanneer er op een toets gevraagd wordt naar een functie, schrijf je alleen de functie op, </a:t>
-            </a:r>
-            <a:r>
-              <a:rPr lang="nl-NL" dirty="0" smtClean="0"/>
-              <a:t>je hoeft dus niks te printen in de functie, tenzij hier expliciet naar wordt gevraagd!</a:t>
-            </a:r>
-            <a:endParaRPr lang="nl-NL" dirty="0" smtClean="0"/>
+              <a:t>Let op: Wanneer er op een toets gevraagd wordt naar een functie, schrijf je alleen de functie op, je hoeft dus niks te printen in de functie, tenzij hier expliciet naar wordt gevraagd!</a:t>
+            </a:r>
           </a:p>
           <a:p>
             <a:pPr marL="0" indent="0">
